--- a/template/青苗转正答辩（刘民心20171214）.pptx
+++ b/template/青苗转正答辩（刘民心20171214）.pptx
@@ -227,7 +227,7 @@
           <a:p>
             <a:fld id="{D2A48B96-639E-45A3-A0BA-2464DFDB1FAA}" type="datetimeFigureOut">
               <a:rPr lang="zh-CN" altLang="en-US" smtClean="0"/>
-              <a:t>2017/12/14</a:t>
+              <a:t>2017/12/15 Friday</a:t>
             </a:fld>
             <a:endParaRPr lang="zh-CN" altLang="en-US"/>
           </a:p>
@@ -1520,7 +1520,7 @@
           <a:p>
             <a:fld id="{82F288E0-7875-42C4-84C8-98DBBD3BF4D2}" type="datetimeFigureOut">
               <a:rPr lang="zh-CN" altLang="en-US" smtClean="0"/>
-              <a:t>2017/12/14</a:t>
+              <a:t>2017/12/15 Friday</a:t>
             </a:fld>
             <a:endParaRPr lang="zh-CN" altLang="en-US"/>
           </a:p>
@@ -1667,7 +1667,7 @@
           <a:p>
             <a:fld id="{82F288E0-7875-42C4-84C8-98DBBD3BF4D2}" type="datetimeFigureOut">
               <a:rPr lang="zh-CN" altLang="en-US" smtClean="0"/>
-              <a:t>2017/12/14</a:t>
+              <a:t>2017/12/15 Friday</a:t>
             </a:fld>
             <a:endParaRPr lang="zh-CN" altLang="en-US"/>
           </a:p>
@@ -1831,7 +1831,7 @@
           <a:p>
             <a:fld id="{82F288E0-7875-42C4-84C8-98DBBD3BF4D2}" type="datetimeFigureOut">
               <a:rPr lang="zh-CN" altLang="en-US" smtClean="0"/>
-              <a:t>2017/12/14</a:t>
+              <a:t>2017/12/15 Friday</a:t>
             </a:fld>
             <a:endParaRPr lang="zh-CN" altLang="en-US"/>
           </a:p>
@@ -2072,7 +2072,7 @@
           <a:p>
             <a:fld id="{82F288E0-7875-42C4-84C8-98DBBD3BF4D2}" type="datetimeFigureOut">
               <a:rPr lang="zh-CN" altLang="en-US" smtClean="0"/>
-              <a:t>2017/12/14</a:t>
+              <a:t>2017/12/15 Friday</a:t>
             </a:fld>
             <a:endParaRPr lang="zh-CN" altLang="en-US"/>
           </a:p>
@@ -2297,7 +2297,7 @@
           <a:p>
             <a:fld id="{82F288E0-7875-42C4-84C8-98DBBD3BF4D2}" type="datetimeFigureOut">
               <a:rPr lang="zh-CN" altLang="en-US" smtClean="0"/>
-              <a:t>2017/12/14</a:t>
+              <a:t>2017/12/15 Friday</a:t>
             </a:fld>
             <a:endParaRPr lang="zh-CN" altLang="en-US"/>
           </a:p>
@@ -2657,7 +2657,7 @@
           <a:p>
             <a:fld id="{82F288E0-7875-42C4-84C8-98DBBD3BF4D2}" type="datetimeFigureOut">
               <a:rPr lang="zh-CN" altLang="en-US" smtClean="0"/>
-              <a:t>2017/12/14</a:t>
+              <a:t>2017/12/15 Friday</a:t>
             </a:fld>
             <a:endParaRPr lang="zh-CN" altLang="en-US"/>
           </a:p>
@@ -2770,7 +2770,7 @@
           <a:p>
             <a:fld id="{82F288E0-7875-42C4-84C8-98DBBD3BF4D2}" type="datetimeFigureOut">
               <a:rPr lang="zh-CN" altLang="en-US" smtClean="0"/>
-              <a:t>2017/12/14</a:t>
+              <a:t>2017/12/15 Friday</a:t>
             </a:fld>
             <a:endParaRPr lang="zh-CN" altLang="en-US"/>
           </a:p>
@@ -2861,7 +2861,7 @@
           <a:p>
             <a:fld id="{82F288E0-7875-42C4-84C8-98DBBD3BF4D2}" type="datetimeFigureOut">
               <a:rPr lang="zh-CN" altLang="en-US" smtClean="0"/>
-              <a:t>2017/12/14</a:t>
+              <a:t>2017/12/15 Friday</a:t>
             </a:fld>
             <a:endParaRPr lang="zh-CN" altLang="en-US"/>
           </a:p>
@@ -3109,7 +3109,7 @@
           <a:p>
             <a:fld id="{82F288E0-7875-42C4-84C8-98DBBD3BF4D2}" type="datetimeFigureOut">
               <a:rPr lang="zh-CN" altLang="en-US" smtClean="0"/>
-              <a:t>2017/12/14</a:t>
+              <a:t>2017/12/15 Friday</a:t>
             </a:fld>
             <a:endParaRPr lang="zh-CN" altLang="en-US"/>
           </a:p>
@@ -3283,7 +3283,7 @@
           <a:p>
             <a:fld id="{82F288E0-7875-42C4-84C8-98DBBD3BF4D2}" type="datetimeFigureOut">
               <a:rPr lang="zh-CN" altLang="en-US" smtClean="0"/>
-              <a:t>2017/12/14</a:t>
+              <a:t>2017/12/15 Friday</a:t>
             </a:fld>
             <a:endParaRPr lang="zh-CN" altLang="en-US"/>
           </a:p>
@@ -3490,7 +3490,7 @@
           <a:p>
             <a:fld id="{82F288E0-7875-42C4-84C8-98DBBD3BF4D2}" type="datetimeFigureOut">
               <a:rPr lang="zh-CN" altLang="en-US" smtClean="0"/>
-              <a:t>2017/12/14</a:t>
+              <a:t>2017/12/15 Friday</a:t>
             </a:fld>
             <a:endParaRPr lang="zh-CN" altLang="en-US"/>
           </a:p>
@@ -7150,7 +7150,7 @@
         <p:spPr>
           <a:xfrm>
             <a:off x="3551221" y="2734854"/>
-            <a:ext cx="2852062" cy="447675"/>
+            <a:ext cx="2852062" cy="417358"/>
           </a:xfrm>
           <a:prstGeom prst="rect">
             <a:avLst/>
@@ -7178,7 +7178,7 @@
                 <a:latin typeface="微软雅黑" panose="020B0503020204020204" charset="-122"/>
                 <a:ea typeface="微软雅黑" panose="020B0503020204020204" charset="-122"/>
               </a:rPr>
-              <a:t>岗位认知与业绩</a:t>
+              <a:t>我眼中的前端开发</a:t>
             </a:r>
           </a:p>
         </p:txBody>
@@ -7192,7 +7192,7 @@
         <p:spPr>
           <a:xfrm>
             <a:off x="3551221" y="3562608"/>
-            <a:ext cx="2852062" cy="447675"/>
+            <a:ext cx="2852062" cy="417358"/>
           </a:xfrm>
           <a:prstGeom prst="rect">
             <a:avLst/>
@@ -7220,7 +7220,7 @@
                 <a:latin typeface="微软雅黑" panose="020B0503020204020204" charset="-122"/>
                 <a:ea typeface="微软雅黑" panose="020B0503020204020204" charset="-122"/>
               </a:rPr>
-              <a:t>我的学习与问题</a:t>
+              <a:t>他们与我们</a:t>
             </a:r>
           </a:p>
         </p:txBody>
@@ -7416,48 +7416,6 @@
           <a:noFill/>
         </p:spPr>
       </p:pic>
-      <p:sp>
-        <p:nvSpPr>
-          <p:cNvPr id="9" name="文本框 8"/>
-          <p:cNvSpPr txBox="1"/>
-          <p:nvPr/>
-        </p:nvSpPr>
-        <p:spPr>
-          <a:xfrm>
-            <a:off x="3546141" y="4389319"/>
-            <a:ext cx="2852062" cy="417358"/>
-          </a:xfrm>
-          <a:prstGeom prst="rect">
-            <a:avLst/>
-          </a:prstGeom>
-          <a:noFill/>
-        </p:spPr>
-        <p:txBody>
-          <a:bodyPr wrap="square" rtlCol="0">
-            <a:spAutoFit/>
-          </a:bodyPr>
-          <a:lstStyle/>
-          <a:p>
-            <a:pPr>
-              <a:lnSpc>
-                <a:spcPct val="130000"/>
-              </a:lnSpc>
-            </a:pPr>
-            <a:r>
-              <a:rPr lang="zh-CN" altLang="en-US" dirty="0">
-                <a:solidFill>
-                  <a:schemeClr val="bg2">
-                    <a:lumMod val="10000"/>
-                  </a:schemeClr>
-                </a:solidFill>
-                <a:latin typeface="微软雅黑" panose="020B0503020204020204" charset="-122"/>
-                <a:ea typeface="微软雅黑" panose="020B0503020204020204" charset="-122"/>
-              </a:rPr>
-              <a:t>我的规划</a:t>
-            </a:r>
-          </a:p>
-        </p:txBody>
-      </p:sp>
       <p:sp>
         <p:nvSpPr>
           <p:cNvPr id="12" name="文本框 11"/>
@@ -7850,6 +7808,54 @@
                 <a:ea typeface="微软雅黑" panose="020B0503020204020204" charset="-122"/>
               </a:rPr>
               <a:t>回声</a:t>
+            </a:r>
+          </a:p>
+        </p:txBody>
+      </p:sp>
+      <p:sp>
+        <p:nvSpPr>
+          <p:cNvPr id="31" name="文本框 30">
+            <a:extLst>
+              <a:ext uri="{FF2B5EF4-FFF2-40B4-BE49-F238E27FC236}">
+                <a16:creationId xmlns:a16="http://schemas.microsoft.com/office/drawing/2014/main" id="{3E1C2D25-3FC3-4117-9024-424D1DD98102}"/>
+              </a:ext>
+            </a:extLst>
+          </p:cNvPr>
+          <p:cNvSpPr txBox="1"/>
+          <p:nvPr/>
+        </p:nvSpPr>
+        <p:spPr>
+          <a:xfrm>
+            <a:off x="3605898" y="4435613"/>
+            <a:ext cx="2852062" cy="417358"/>
+          </a:xfrm>
+          <a:prstGeom prst="rect">
+            <a:avLst/>
+          </a:prstGeom>
+          <a:noFill/>
+        </p:spPr>
+        <p:txBody>
+          <a:bodyPr wrap="square" rtlCol="0">
+            <a:spAutoFit/>
+          </a:bodyPr>
+          <a:lstStyle/>
+          <a:p>
+            <a:pPr>
+              <a:lnSpc>
+                <a:spcPct val="130000"/>
+              </a:lnSpc>
+            </a:pPr>
+            <a:r>
+              <a:rPr lang="zh-CN" altLang="en-US" dirty="0">
+                <a:solidFill>
+                  <a:schemeClr val="bg2">
+                    <a:lumMod val="10000"/>
+                  </a:schemeClr>
+                </a:solidFill>
+                <a:latin typeface="微软雅黑" panose="020B0503020204020204" charset="-122"/>
+                <a:ea typeface="微软雅黑" panose="020B0503020204020204" charset="-122"/>
+              </a:rPr>
+              <a:t>他们与我</a:t>
             </a:r>
           </a:p>
         </p:txBody>
